--- a/Makale/Makale.pptx
+++ b/Makale/Makale.pptx
@@ -292,7 +292,7 @@
           <a:p>
             <a:fld id="{3839559B-491F-4930-841E-EACDA2501BAC}" type="datetimeFigureOut">
               <a:rPr lang="tr-TR" smtClean="0"/>
-              <a:t>8.11.2022</a:t>
+              <a:t>10.11.2022</a:t>
             </a:fld>
             <a:endParaRPr lang="tr-TR"/>
           </a:p>
@@ -490,7 +490,7 @@
           <a:p>
             <a:fld id="{3839559B-491F-4930-841E-EACDA2501BAC}" type="datetimeFigureOut">
               <a:rPr lang="tr-TR" smtClean="0"/>
-              <a:t>8.11.2022</a:t>
+              <a:t>10.11.2022</a:t>
             </a:fld>
             <a:endParaRPr lang="tr-TR"/>
           </a:p>
@@ -698,7 +698,7 @@
           <a:p>
             <a:fld id="{3839559B-491F-4930-841E-EACDA2501BAC}" type="datetimeFigureOut">
               <a:rPr lang="tr-TR" smtClean="0"/>
-              <a:t>8.11.2022</a:t>
+              <a:t>10.11.2022</a:t>
             </a:fld>
             <a:endParaRPr lang="tr-TR"/>
           </a:p>
@@ -896,7 +896,7 @@
           <a:p>
             <a:fld id="{3839559B-491F-4930-841E-EACDA2501BAC}" type="datetimeFigureOut">
               <a:rPr lang="tr-TR" smtClean="0"/>
-              <a:t>8.11.2022</a:t>
+              <a:t>10.11.2022</a:t>
             </a:fld>
             <a:endParaRPr lang="tr-TR"/>
           </a:p>
@@ -1171,7 +1171,7 @@
           <a:p>
             <a:fld id="{3839559B-491F-4930-841E-EACDA2501BAC}" type="datetimeFigureOut">
               <a:rPr lang="tr-TR" smtClean="0"/>
-              <a:t>8.11.2022</a:t>
+              <a:t>10.11.2022</a:t>
             </a:fld>
             <a:endParaRPr lang="tr-TR"/>
           </a:p>
@@ -1436,7 +1436,7 @@
           <a:p>
             <a:fld id="{3839559B-491F-4930-841E-EACDA2501BAC}" type="datetimeFigureOut">
               <a:rPr lang="tr-TR" smtClean="0"/>
-              <a:t>8.11.2022</a:t>
+              <a:t>10.11.2022</a:t>
             </a:fld>
             <a:endParaRPr lang="tr-TR"/>
           </a:p>
@@ -1848,7 +1848,7 @@
           <a:p>
             <a:fld id="{3839559B-491F-4930-841E-EACDA2501BAC}" type="datetimeFigureOut">
               <a:rPr lang="tr-TR" smtClean="0"/>
-              <a:t>8.11.2022</a:t>
+              <a:t>10.11.2022</a:t>
             </a:fld>
             <a:endParaRPr lang="tr-TR"/>
           </a:p>
@@ -1989,7 +1989,7 @@
           <a:p>
             <a:fld id="{3839559B-491F-4930-841E-EACDA2501BAC}" type="datetimeFigureOut">
               <a:rPr lang="tr-TR" smtClean="0"/>
-              <a:t>8.11.2022</a:t>
+              <a:t>10.11.2022</a:t>
             </a:fld>
             <a:endParaRPr lang="tr-TR"/>
           </a:p>
@@ -2102,7 +2102,7 @@
           <a:p>
             <a:fld id="{3839559B-491F-4930-841E-EACDA2501BAC}" type="datetimeFigureOut">
               <a:rPr lang="tr-TR" smtClean="0"/>
-              <a:t>8.11.2022</a:t>
+              <a:t>10.11.2022</a:t>
             </a:fld>
             <a:endParaRPr lang="tr-TR"/>
           </a:p>
@@ -2413,7 +2413,7 @@
           <a:p>
             <a:fld id="{3839559B-491F-4930-841E-EACDA2501BAC}" type="datetimeFigureOut">
               <a:rPr lang="tr-TR" smtClean="0"/>
-              <a:t>8.11.2022</a:t>
+              <a:t>10.11.2022</a:t>
             </a:fld>
             <a:endParaRPr lang="tr-TR"/>
           </a:p>
@@ -2701,7 +2701,7 @@
           <a:p>
             <a:fld id="{3839559B-491F-4930-841E-EACDA2501BAC}" type="datetimeFigureOut">
               <a:rPr lang="tr-TR" smtClean="0"/>
-              <a:t>8.11.2022</a:t>
+              <a:t>10.11.2022</a:t>
             </a:fld>
             <a:endParaRPr lang="tr-TR"/>
           </a:p>
@@ -2942,7 +2942,7 @@
           <a:p>
             <a:fld id="{3839559B-491F-4930-841E-EACDA2501BAC}" type="datetimeFigureOut">
               <a:rPr lang="tr-TR" smtClean="0"/>
-              <a:t>8.11.2022</a:t>
+              <a:t>10.11.2022</a:t>
             </a:fld>
             <a:endParaRPr lang="tr-TR"/>
           </a:p>
@@ -4195,7 +4195,12 @@
             <p:ph type="title"/>
           </p:nvPr>
         </p:nvSpPr>
-        <p:spPr/>
+        <p:spPr>
+          <a:xfrm>
+            <a:off x="838200" y="316487"/>
+            <a:ext cx="10515600" cy="1325563"/>
+          </a:xfrm>
+        </p:spPr>
         <p:txBody>
           <a:bodyPr>
             <a:normAutofit/>
@@ -4389,7 +4394,7 @@
         </p:nvSpPr>
         <p:spPr>
           <a:xfrm>
-            <a:off x="3918528" y="1433079"/>
+            <a:off x="3986622" y="1481717"/>
             <a:ext cx="10633364" cy="4815320"/>
           </a:xfrm>
           <a:prstGeom prst="rect">
@@ -5684,7 +5689,7 @@
           <a:lstStyle/>
           <a:p>
             <a:r>
-              <a:rPr lang="tr-TR" sz="1800" b="1" dirty="0">
+              <a:rPr lang="tr-TR" sz="1800" dirty="0">
                 <a:solidFill>
                   <a:srgbClr val="000000"/>
                 </a:solidFill>
@@ -5693,7 +5698,7 @@
               <a:t>G</a:t>
             </a:r>
             <a:r>
-              <a:rPr lang="tr-TR" sz="1800" b="1" i="0" dirty="0">
+              <a:rPr lang="tr-TR" sz="1800" i="0" dirty="0">
                 <a:solidFill>
                   <a:srgbClr val="000000"/>
                 </a:solidFill>
@@ -5703,7 +5708,7 @@
               <a:t>örüntü çözünürlüğü 300 </a:t>
             </a:r>
             <a:r>
-              <a:rPr lang="tr-TR" sz="1800" b="1" i="0" dirty="0" err="1">
+              <a:rPr lang="tr-TR" sz="1800" i="0" dirty="0" err="1">
                 <a:solidFill>
                   <a:srgbClr val="000000"/>
                 </a:solidFill>
@@ -5713,7 +5718,7 @@
               <a:t>dpi</a:t>
             </a:r>
             <a:r>
-              <a:rPr lang="tr-TR" sz="1800" b="1" i="0" dirty="0">
+              <a:rPr lang="tr-TR" sz="1800" i="0" dirty="0">
                 <a:solidFill>
                   <a:srgbClr val="000000"/>
                 </a:solidFill>
